--- a/Abschlusspräsentation/Abschlusspräsentation.pptx
+++ b/Abschlusspräsentation/Abschlusspräsentation.pptx
@@ -262,7 +262,7 @@
           <a:p>
             <a:fld id="{283A9E21-4981-413F-9BAB-A1BE42E0A624}" type="datetimeFigureOut">
               <a:rPr lang="de-DE" smtClean="0"/>
-              <a:t>15.02.2026</a:t>
+              <a:t>18.02.2026</a:t>
             </a:fld>
             <a:endParaRPr lang="de-DE"/>
           </a:p>
@@ -4550,21 +4550,21 @@
                 <a:ea typeface="Roboto" panose="02000000000000000000" pitchFamily="2" charset="0"/>
                 <a:cs typeface="Arial" charset="0"/>
               </a:rPr>
-              <a:t>∙ 05</a:t>
+              <a:t>∙ 18</a:t>
             </a:r>
             <a:r>
               <a:rPr lang="de-DE" sz="1400">
                 <a:latin typeface="Roboto" panose="02000000000000000000" pitchFamily="2" charset="0"/>
                 <a:ea typeface="Roboto" panose="02000000000000000000" pitchFamily="2" charset="0"/>
               </a:rPr>
-              <a:t>. November</a:t>
+              <a:t>. Februar</a:t>
             </a:r>
             <a:r>
               <a:rPr lang="de-DE" sz="1400" baseline="0">
                 <a:latin typeface="Roboto" panose="02000000000000000000" pitchFamily="2" charset="0"/>
                 <a:ea typeface="Roboto" panose="02000000000000000000" pitchFamily="2" charset="0"/>
               </a:rPr>
-              <a:t> 2025</a:t>
+              <a:t> 2026</a:t>
             </a:r>
             <a:r>
               <a:rPr lang="de-DE" sz="1400" kern="1200">
@@ -5891,21 +5891,21 @@
                 <a:ea typeface="Roboto" panose="02000000000000000000" pitchFamily="2" charset="0"/>
                 <a:cs typeface="Arial" charset="0"/>
               </a:rPr>
-              <a:t> ∙ 05</a:t>
+              <a:t> ∙ 18</a:t>
             </a:r>
             <a:r>
               <a:rPr lang="de-DE" sz="1400">
                 <a:latin typeface="Roboto" panose="02000000000000000000" pitchFamily="2" charset="0"/>
                 <a:ea typeface="Roboto" panose="02000000000000000000" pitchFamily="2" charset="0"/>
               </a:rPr>
-              <a:t>. November</a:t>
+              <a:t>. Februar</a:t>
             </a:r>
             <a:r>
               <a:rPr lang="de-DE" sz="1400" baseline="0">
                 <a:latin typeface="Roboto" panose="02000000000000000000" pitchFamily="2" charset="0"/>
                 <a:ea typeface="Roboto" panose="02000000000000000000" pitchFamily="2" charset="0"/>
               </a:rPr>
-              <a:t> 2025</a:t>
+              <a:t> 2026</a:t>
             </a:r>
             <a:r>
               <a:rPr lang="de-DE" sz="1400" kern="1200">
@@ -6959,10 +6959,10 @@
       </p:sp>
       <p:pic>
         <p:nvPicPr>
-          <p:cNvPr id="4" name="Grafik 3" descr="Ein Bild, das Text, Screenshot, Schrift, Zahl enthält.&#10;&#10;KI-generierte Inhalte können fehlerhaft sein.">
+          <p:cNvPr id="3" name="Grafik 2" descr="Ein Bild, das Text, Schrift, Screenshot, Design enthält.&#10;&#10;KI-generierte Inhalte können fehlerhaft sein.">
             <a:extLst>
               <a:ext uri="{FF2B5EF4-FFF2-40B4-BE49-F238E27FC236}">
-                <a16:creationId xmlns:a16="http://schemas.microsoft.com/office/drawing/2014/main" id="{F45E29AC-CC43-B1CF-B2DD-FB3A587CEC94}"/>
+                <a16:creationId xmlns:a16="http://schemas.microsoft.com/office/drawing/2014/main" id="{759E194E-17CA-C1F4-27B2-BB81C912C96B}"/>
               </a:ext>
             </a:extLst>
           </p:cNvPr>
@@ -6979,8 +6979,8 @@
         </p:blipFill>
         <p:spPr>
           <a:xfrm>
-            <a:off x="1467647" y="1023334"/>
-            <a:ext cx="9256706" cy="5166958"/>
+            <a:off x="412655" y="2010104"/>
+            <a:ext cx="11587258" cy="3269262"/>
           </a:xfrm>
           <a:prstGeom prst="rect">
             <a:avLst/>
@@ -7053,10 +7053,10 @@
       </p:sp>
       <p:pic>
         <p:nvPicPr>
-          <p:cNvPr id="5" name="Grafik 4" descr="Ein Bild, das Text, Screenshot, Schrift, Design enthält.&#10;&#10;KI-generierte Inhalte können fehlerhaft sein.">
+          <p:cNvPr id="3" name="Grafik 2" descr="Ein Bild, das Text, Schrift, Screenshot, Zahl enthält.&#10;&#10;KI-generierte Inhalte können fehlerhaft sein.">
             <a:extLst>
               <a:ext uri="{FF2B5EF4-FFF2-40B4-BE49-F238E27FC236}">
-                <a16:creationId xmlns:a16="http://schemas.microsoft.com/office/drawing/2014/main" id="{D4D0D881-3BA7-DEBC-5501-4AE1E98F7CA9}"/>
+                <a16:creationId xmlns:a16="http://schemas.microsoft.com/office/drawing/2014/main" id="{140ABC52-7182-0318-7154-27C3B5623C4E}"/>
               </a:ext>
             </a:extLst>
           </p:cNvPr>
@@ -7067,14 +7067,15 @@
         </p:nvPicPr>
         <p:blipFill>
           <a:blip r:embed="rId2"/>
+          <a:srcRect l="2901" r="7382"/>
           <a:stretch>
             <a:fillRect/>
           </a:stretch>
         </p:blipFill>
         <p:spPr>
           <a:xfrm>
-            <a:off x="795903" y="839369"/>
-            <a:ext cx="10345237" cy="5445317"/>
+            <a:off x="69010" y="1290746"/>
+            <a:ext cx="11827386" cy="4493526"/>
           </a:xfrm>
           <a:prstGeom prst="rect">
             <a:avLst/>
@@ -7256,6 +7257,47 @@
           </a:p>
         </p:txBody>
       </p:sp>
+      <p:pic>
+        <p:nvPicPr>
+          <p:cNvPr id="4" name="Picture 2" descr="Seminar „Statistiken richtig lesen und interpretieren“"/>
+          <p:cNvPicPr>
+            <a:picLocks noChangeAspect="1" noChangeArrowheads="1"/>
+          </p:cNvPicPr>
+          <p:nvPr/>
+        </p:nvPicPr>
+        <p:blipFill>
+          <a:blip r:embed="rId2">
+            <a:extLst>
+              <a:ext uri="{28A0092B-C50C-407E-A947-70E740481C1C}">
+                <a14:useLocalDpi xmlns:a14="http://schemas.microsoft.com/office/drawing/2010/main" val="0"/>
+              </a:ext>
+            </a:extLst>
+          </a:blip>
+          <a:srcRect/>
+          <a:stretch>
+            <a:fillRect/>
+          </a:stretch>
+        </p:blipFill>
+        <p:spPr bwMode="auto">
+          <a:xfrm>
+            <a:off x="1920241" y="1191485"/>
+            <a:ext cx="8229599" cy="4834473"/>
+          </a:xfrm>
+          <a:prstGeom prst="rect">
+            <a:avLst/>
+          </a:prstGeom>
+          <a:noFill/>
+          <a:extLst>
+            <a:ext uri="{909E8E84-426E-40DD-AFC4-6F175D3DCCD1}">
+              <a14:hiddenFill xmlns:a14="http://schemas.microsoft.com/office/drawing/2010/main">
+                <a:solidFill>
+                  <a:srgbClr val="FFFFFF"/>
+                </a:solidFill>
+              </a14:hiddenFill>
+            </a:ext>
+          </a:extLst>
+        </p:spPr>
+      </p:pic>
     </p:spTree>
     <p:extLst>
       <p:ext uri="{BB962C8B-B14F-4D97-AF65-F5344CB8AC3E}">
@@ -7320,6 +7362,30 @@
           </a:p>
         </p:txBody>
       </p:sp>
+      <p:pic>
+        <p:nvPicPr>
+          <p:cNvPr id="3" name="Grafik 2"/>
+          <p:cNvPicPr>
+            <a:picLocks noChangeAspect="1"/>
+          </p:cNvPicPr>
+          <p:nvPr/>
+        </p:nvPicPr>
+        <p:blipFill>
+          <a:blip r:embed="rId2"/>
+          <a:stretch>
+            <a:fillRect/>
+          </a:stretch>
+        </p:blipFill>
+        <p:spPr>
+          <a:xfrm>
+            <a:off x="1971850" y="1224736"/>
+            <a:ext cx="8086550" cy="4778417"/>
+          </a:xfrm>
+          <a:prstGeom prst="rect">
+            <a:avLst/>
+          </a:prstGeom>
+        </p:spPr>
+      </p:pic>
     </p:spTree>
     <p:extLst>
       <p:ext uri="{BB962C8B-B14F-4D97-AF65-F5344CB8AC3E}">
@@ -7384,6 +7450,30 @@
           </a:p>
         </p:txBody>
       </p:sp>
+      <p:pic>
+        <p:nvPicPr>
+          <p:cNvPr id="3" name="Grafik 2"/>
+          <p:cNvPicPr>
+            <a:picLocks noChangeAspect="1"/>
+          </p:cNvPicPr>
+          <p:nvPr/>
+        </p:nvPicPr>
+        <p:blipFill>
+          <a:blip r:embed="rId2"/>
+          <a:stretch>
+            <a:fillRect/>
+          </a:stretch>
+        </p:blipFill>
+        <p:spPr>
+          <a:xfrm>
+            <a:off x="1720734" y="1174692"/>
+            <a:ext cx="8695113" cy="4891001"/>
+          </a:xfrm>
+          <a:prstGeom prst="rect">
+            <a:avLst/>
+          </a:prstGeom>
+        </p:spPr>
+      </p:pic>
     </p:spTree>
     <p:extLst>
       <p:ext uri="{BB962C8B-B14F-4D97-AF65-F5344CB8AC3E}">
